--- a/PreQual 2.0 - 21'03.pptx
+++ b/PreQual 2.0 - 21'03.pptx
@@ -7,7 +7,8 @@
   <p:sldIdLst>
     <p:sldId id="256" r:id="rId2"/>
     <p:sldId id="257" r:id="rId3"/>
-    <p:sldId id="258" r:id="rId4"/>
+    <p:sldId id="259" r:id="rId4"/>
+    <p:sldId id="258" r:id="rId5"/>
   </p:sldIdLst>
   <p:sldSz cx="12192000" cy="6858000"/>
   <p:notesSz cx="6858000" cy="9144000"/>
@@ -261,7 +262,7 @@
           <a:p>
             <a:fld id="{6E02C3BE-8A0E-4AF7-A0BE-041EE7A2F663}" type="datetimeFigureOut">
               <a:rPr lang="zh-TW" altLang="en-US" smtClean="0"/>
-              <a:t>2021/3/9</a:t>
+              <a:t>2021/3/25</a:t>
             </a:fld>
             <a:endParaRPr lang="zh-TW" altLang="en-US"/>
           </a:p>
@@ -459,7 +460,7 @@
           <a:p>
             <a:fld id="{6E02C3BE-8A0E-4AF7-A0BE-041EE7A2F663}" type="datetimeFigureOut">
               <a:rPr lang="zh-TW" altLang="en-US" smtClean="0"/>
-              <a:t>2021/3/9</a:t>
+              <a:t>2021/3/25</a:t>
             </a:fld>
             <a:endParaRPr lang="zh-TW" altLang="en-US"/>
           </a:p>
@@ -667,7 +668,7 @@
           <a:p>
             <a:fld id="{6E02C3BE-8A0E-4AF7-A0BE-041EE7A2F663}" type="datetimeFigureOut">
               <a:rPr lang="zh-TW" altLang="en-US" smtClean="0"/>
-              <a:t>2021/3/9</a:t>
+              <a:t>2021/3/25</a:t>
             </a:fld>
             <a:endParaRPr lang="zh-TW" altLang="en-US"/>
           </a:p>
@@ -865,7 +866,7 @@
           <a:p>
             <a:fld id="{6E02C3BE-8A0E-4AF7-A0BE-041EE7A2F663}" type="datetimeFigureOut">
               <a:rPr lang="zh-TW" altLang="en-US" smtClean="0"/>
-              <a:t>2021/3/9</a:t>
+              <a:t>2021/3/25</a:t>
             </a:fld>
             <a:endParaRPr lang="zh-TW" altLang="en-US"/>
           </a:p>
@@ -1140,7 +1141,7 @@
           <a:p>
             <a:fld id="{6E02C3BE-8A0E-4AF7-A0BE-041EE7A2F663}" type="datetimeFigureOut">
               <a:rPr lang="zh-TW" altLang="en-US" smtClean="0"/>
-              <a:t>2021/3/9</a:t>
+              <a:t>2021/3/25</a:t>
             </a:fld>
             <a:endParaRPr lang="zh-TW" altLang="en-US"/>
           </a:p>
@@ -1405,7 +1406,7 @@
           <a:p>
             <a:fld id="{6E02C3BE-8A0E-4AF7-A0BE-041EE7A2F663}" type="datetimeFigureOut">
               <a:rPr lang="zh-TW" altLang="en-US" smtClean="0"/>
-              <a:t>2021/3/9</a:t>
+              <a:t>2021/3/25</a:t>
             </a:fld>
             <a:endParaRPr lang="zh-TW" altLang="en-US"/>
           </a:p>
@@ -1817,7 +1818,7 @@
           <a:p>
             <a:fld id="{6E02C3BE-8A0E-4AF7-A0BE-041EE7A2F663}" type="datetimeFigureOut">
               <a:rPr lang="zh-TW" altLang="en-US" smtClean="0"/>
-              <a:t>2021/3/9</a:t>
+              <a:t>2021/3/25</a:t>
             </a:fld>
             <a:endParaRPr lang="zh-TW" altLang="en-US"/>
           </a:p>
@@ -1958,7 +1959,7 @@
           <a:p>
             <a:fld id="{6E02C3BE-8A0E-4AF7-A0BE-041EE7A2F663}" type="datetimeFigureOut">
               <a:rPr lang="zh-TW" altLang="en-US" smtClean="0"/>
-              <a:t>2021/3/9</a:t>
+              <a:t>2021/3/25</a:t>
             </a:fld>
             <a:endParaRPr lang="zh-TW" altLang="en-US"/>
           </a:p>
@@ -2071,7 +2072,7 @@
           <a:p>
             <a:fld id="{6E02C3BE-8A0E-4AF7-A0BE-041EE7A2F663}" type="datetimeFigureOut">
               <a:rPr lang="zh-TW" altLang="en-US" smtClean="0"/>
-              <a:t>2021/3/9</a:t>
+              <a:t>2021/3/25</a:t>
             </a:fld>
             <a:endParaRPr lang="zh-TW" altLang="en-US"/>
           </a:p>
@@ -2382,7 +2383,7 @@
           <a:p>
             <a:fld id="{6E02C3BE-8A0E-4AF7-A0BE-041EE7A2F663}" type="datetimeFigureOut">
               <a:rPr lang="zh-TW" altLang="en-US" smtClean="0"/>
-              <a:t>2021/3/9</a:t>
+              <a:t>2021/3/25</a:t>
             </a:fld>
             <a:endParaRPr lang="zh-TW" altLang="en-US"/>
           </a:p>
@@ -2670,7 +2671,7 @@
           <a:p>
             <a:fld id="{6E02C3BE-8A0E-4AF7-A0BE-041EE7A2F663}" type="datetimeFigureOut">
               <a:rPr lang="zh-TW" altLang="en-US" smtClean="0"/>
-              <a:t>2021/3/9</a:t>
+              <a:t>2021/3/25</a:t>
             </a:fld>
             <a:endParaRPr lang="zh-TW" altLang="en-US"/>
           </a:p>
@@ -2913,7 +2914,7 @@
             <a:fld id="{6E02C3BE-8A0E-4AF7-A0BE-041EE7A2F663}" type="datetimeFigureOut">
               <a:rPr lang="zh-TW" altLang="en-US" smtClean="0"/>
               <a:pPr/>
-              <a:t>2021/3/9</a:t>
+              <a:t>2021/3/25</a:t>
             </a:fld>
             <a:endParaRPr lang="zh-TW" altLang="en-US"/>
           </a:p>
@@ -3468,6 +3469,123 @@
           </a:p>
         </p:txBody>
       </p:sp>
+      <p:sp>
+        <p:nvSpPr>
+          <p:cNvPr id="4" name="文字方塊 3">
+            <a:extLst>
+              <a:ext uri="{FF2B5EF4-FFF2-40B4-BE49-F238E27FC236}">
+                <a16:creationId xmlns:a16="http://schemas.microsoft.com/office/drawing/2014/main" id="{253DD7D7-3B6D-423D-AE73-1351B9664181}"/>
+              </a:ext>
+            </a:extLst>
+          </p:cNvPr>
+          <p:cNvSpPr txBox="1"/>
+          <p:nvPr/>
+        </p:nvSpPr>
+        <p:spPr>
+          <a:xfrm>
+            <a:off x="822960" y="2143760"/>
+            <a:ext cx="184731" cy="369332"/>
+          </a:xfrm>
+          <a:prstGeom prst="rect">
+            <a:avLst/>
+          </a:prstGeom>
+          <a:noFill/>
+        </p:spPr>
+        <p:txBody>
+          <a:bodyPr wrap="none" rtlCol="0">
+            <a:spAutoFit/>
+          </a:bodyPr>
+          <a:lstStyle/>
+          <a:p>
+            <a:endParaRPr lang="zh-TW" altLang="en-US"/>
+          </a:p>
+        </p:txBody>
+      </p:sp>
+    </p:spTree>
+    <p:extLst>
+      <p:ext uri="{BB962C8B-B14F-4D97-AF65-F5344CB8AC3E}">
+        <p14:creationId xmlns:p14="http://schemas.microsoft.com/office/powerpoint/2010/main" val="1800894695"/>
+      </p:ext>
+    </p:extLst>
+  </p:cSld>
+  <p:clrMapOvr>
+    <a:masterClrMapping/>
+  </p:clrMapOvr>
+</p:sld>
+</file>
+
+<file path=ppt/slides/slide3.xml><?xml version="1.0" encoding="utf-8"?>
+<p:sld xmlns:a="http://schemas.openxmlformats.org/drawingml/2006/main" xmlns:r="http://schemas.openxmlformats.org/officeDocument/2006/relationships" xmlns:p="http://schemas.openxmlformats.org/presentationml/2006/main">
+  <p:cSld>
+    <p:spTree>
+      <p:nvGrpSpPr>
+        <p:cNvPr id="1" name=""/>
+        <p:cNvGrpSpPr/>
+        <p:nvPr/>
+      </p:nvGrpSpPr>
+      <p:grpSpPr>
+        <a:xfrm>
+          <a:off x="0" y="0"/>
+          <a:ext cx="0" cy="0"/>
+          <a:chOff x="0" y="0"/>
+          <a:chExt cx="0" cy="0"/>
+        </a:xfrm>
+      </p:grpSpPr>
+      <p:sp>
+        <p:nvSpPr>
+          <p:cNvPr id="2" name="標題 1">
+            <a:extLst>
+              <a:ext uri="{FF2B5EF4-FFF2-40B4-BE49-F238E27FC236}">
+                <a16:creationId xmlns:a16="http://schemas.microsoft.com/office/drawing/2014/main" id="{EA657B2E-2CB6-41B0-B833-E687BE10EAF7}"/>
+              </a:ext>
+            </a:extLst>
+          </p:cNvPr>
+          <p:cNvSpPr>
+            <a:spLocks noGrp="1"/>
+          </p:cNvSpPr>
+          <p:nvPr>
+            <p:ph type="title"/>
+          </p:nvPr>
+        </p:nvSpPr>
+        <p:spPr/>
+        <p:txBody>
+          <a:bodyPr/>
+          <a:lstStyle/>
+          <a:p>
+            <a:endParaRPr lang="zh-TW" altLang="en-US"/>
+          </a:p>
+        </p:txBody>
+      </p:sp>
+      <p:sp>
+        <p:nvSpPr>
+          <p:cNvPr id="3" name="內容版面配置區 2">
+            <a:extLst>
+              <a:ext uri="{FF2B5EF4-FFF2-40B4-BE49-F238E27FC236}">
+                <a16:creationId xmlns:a16="http://schemas.microsoft.com/office/drawing/2014/main" id="{595FAF60-A01E-4AAD-8AEF-E24B38A0ABD1}"/>
+              </a:ext>
+            </a:extLst>
+          </p:cNvPr>
+          <p:cNvSpPr>
+            <a:spLocks noGrp="1"/>
+          </p:cNvSpPr>
+          <p:nvPr>
+            <p:ph idx="1"/>
+          </p:nvPr>
+        </p:nvSpPr>
+        <p:spPr>
+          <a:xfrm>
+            <a:off x="546846" y="941295"/>
+            <a:ext cx="11017625" cy="670690"/>
+          </a:xfrm>
+        </p:spPr>
+        <p:txBody>
+          <a:bodyPr/>
+          <a:lstStyle/>
+          <a:p>
+            <a:endParaRPr lang="zh-TW" altLang="en-US"/>
+          </a:p>
+        </p:txBody>
+      </p:sp>
       <p:grpSp>
         <p:nvGrpSpPr>
           <p:cNvPr id="18" name="群組 17">
@@ -4572,7 +4690,7 @@
     </p:spTree>
     <p:extLst>
       <p:ext uri="{BB962C8B-B14F-4D97-AF65-F5344CB8AC3E}">
-        <p14:creationId xmlns:p14="http://schemas.microsoft.com/office/powerpoint/2010/main" val="1800894695"/>
+        <p14:creationId xmlns:p14="http://schemas.microsoft.com/office/powerpoint/2010/main" val="586944127"/>
       </p:ext>
     </p:extLst>
   </p:cSld>
@@ -4582,7 +4700,7 @@
 </p:sld>
 </file>
 
-<file path=ppt/slides/slide3.xml><?xml version="1.0" encoding="utf-8"?>
+<file path=ppt/slides/slide4.xml><?xml version="1.0" encoding="utf-8"?>
 <p:sld xmlns:a="http://schemas.openxmlformats.org/drawingml/2006/main" xmlns:r="http://schemas.openxmlformats.org/officeDocument/2006/relationships" xmlns:p="http://schemas.openxmlformats.org/presentationml/2006/main">
   <p:cSld>
     <p:spTree>

--- a/PreQual 2.0 - 21'03.pptx
+++ b/PreQual 2.0 - 21'03.pptx
@@ -262,7 +262,7 @@
           <a:p>
             <a:fld id="{6E02C3BE-8A0E-4AF7-A0BE-041EE7A2F663}" type="datetimeFigureOut">
               <a:rPr lang="zh-TW" altLang="en-US" smtClean="0"/>
-              <a:t>2021/3/25</a:t>
+              <a:t>2021/3/28</a:t>
             </a:fld>
             <a:endParaRPr lang="zh-TW" altLang="en-US"/>
           </a:p>
@@ -460,7 +460,7 @@
           <a:p>
             <a:fld id="{6E02C3BE-8A0E-4AF7-A0BE-041EE7A2F663}" type="datetimeFigureOut">
               <a:rPr lang="zh-TW" altLang="en-US" smtClean="0"/>
-              <a:t>2021/3/25</a:t>
+              <a:t>2021/3/28</a:t>
             </a:fld>
             <a:endParaRPr lang="zh-TW" altLang="en-US"/>
           </a:p>
@@ -668,7 +668,7 @@
           <a:p>
             <a:fld id="{6E02C3BE-8A0E-4AF7-A0BE-041EE7A2F663}" type="datetimeFigureOut">
               <a:rPr lang="zh-TW" altLang="en-US" smtClean="0"/>
-              <a:t>2021/3/25</a:t>
+              <a:t>2021/3/28</a:t>
             </a:fld>
             <a:endParaRPr lang="zh-TW" altLang="en-US"/>
           </a:p>
@@ -866,7 +866,7 @@
           <a:p>
             <a:fld id="{6E02C3BE-8A0E-4AF7-A0BE-041EE7A2F663}" type="datetimeFigureOut">
               <a:rPr lang="zh-TW" altLang="en-US" smtClean="0"/>
-              <a:t>2021/3/25</a:t>
+              <a:t>2021/3/28</a:t>
             </a:fld>
             <a:endParaRPr lang="zh-TW" altLang="en-US"/>
           </a:p>
@@ -1141,7 +1141,7 @@
           <a:p>
             <a:fld id="{6E02C3BE-8A0E-4AF7-A0BE-041EE7A2F663}" type="datetimeFigureOut">
               <a:rPr lang="zh-TW" altLang="en-US" smtClean="0"/>
-              <a:t>2021/3/25</a:t>
+              <a:t>2021/3/28</a:t>
             </a:fld>
             <a:endParaRPr lang="zh-TW" altLang="en-US"/>
           </a:p>
@@ -1406,7 +1406,7 @@
           <a:p>
             <a:fld id="{6E02C3BE-8A0E-4AF7-A0BE-041EE7A2F663}" type="datetimeFigureOut">
               <a:rPr lang="zh-TW" altLang="en-US" smtClean="0"/>
-              <a:t>2021/3/25</a:t>
+              <a:t>2021/3/28</a:t>
             </a:fld>
             <a:endParaRPr lang="zh-TW" altLang="en-US"/>
           </a:p>
@@ -1818,7 +1818,7 @@
           <a:p>
             <a:fld id="{6E02C3BE-8A0E-4AF7-A0BE-041EE7A2F663}" type="datetimeFigureOut">
               <a:rPr lang="zh-TW" altLang="en-US" smtClean="0"/>
-              <a:t>2021/3/25</a:t>
+              <a:t>2021/3/28</a:t>
             </a:fld>
             <a:endParaRPr lang="zh-TW" altLang="en-US"/>
           </a:p>
@@ -1959,7 +1959,7 @@
           <a:p>
             <a:fld id="{6E02C3BE-8A0E-4AF7-A0BE-041EE7A2F663}" type="datetimeFigureOut">
               <a:rPr lang="zh-TW" altLang="en-US" smtClean="0"/>
-              <a:t>2021/3/25</a:t>
+              <a:t>2021/3/28</a:t>
             </a:fld>
             <a:endParaRPr lang="zh-TW" altLang="en-US"/>
           </a:p>
@@ -2072,7 +2072,7 @@
           <a:p>
             <a:fld id="{6E02C3BE-8A0E-4AF7-A0BE-041EE7A2F663}" type="datetimeFigureOut">
               <a:rPr lang="zh-TW" altLang="en-US" smtClean="0"/>
-              <a:t>2021/3/25</a:t>
+              <a:t>2021/3/28</a:t>
             </a:fld>
             <a:endParaRPr lang="zh-TW" altLang="en-US"/>
           </a:p>
@@ -2383,7 +2383,7 @@
           <a:p>
             <a:fld id="{6E02C3BE-8A0E-4AF7-A0BE-041EE7A2F663}" type="datetimeFigureOut">
               <a:rPr lang="zh-TW" altLang="en-US" smtClean="0"/>
-              <a:t>2021/3/25</a:t>
+              <a:t>2021/3/28</a:t>
             </a:fld>
             <a:endParaRPr lang="zh-TW" altLang="en-US"/>
           </a:p>
@@ -2671,7 +2671,7 @@
           <a:p>
             <a:fld id="{6E02C3BE-8A0E-4AF7-A0BE-041EE7A2F663}" type="datetimeFigureOut">
               <a:rPr lang="zh-TW" altLang="en-US" smtClean="0"/>
-              <a:t>2021/3/25</a:t>
+              <a:t>2021/3/28</a:t>
             </a:fld>
             <a:endParaRPr lang="zh-TW" altLang="en-US"/>
           </a:p>
@@ -2914,7 +2914,7 @@
             <a:fld id="{6E02C3BE-8A0E-4AF7-A0BE-041EE7A2F663}" type="datetimeFigureOut">
               <a:rPr lang="zh-TW" altLang="en-US" smtClean="0"/>
               <a:pPr/>
-              <a:t>2021/3/25</a:t>
+              <a:t>2021/3/28</a:t>
             </a:fld>
             <a:endParaRPr lang="zh-TW" altLang="en-US"/>
           </a:p>
@@ -3501,6 +3501,102 @@
           </a:p>
         </p:txBody>
       </p:sp>
+      <p:sp>
+        <p:nvSpPr>
+          <p:cNvPr id="6" name="矩形 5">
+            <a:extLst>
+              <a:ext uri="{FF2B5EF4-FFF2-40B4-BE49-F238E27FC236}">
+                <a16:creationId xmlns:a16="http://schemas.microsoft.com/office/drawing/2014/main" id="{9A4CF1F9-AB26-48C5-B068-4FE7F97BF6B1}"/>
+              </a:ext>
+            </a:extLst>
+          </p:cNvPr>
+          <p:cNvSpPr/>
+          <p:nvPr/>
+        </p:nvSpPr>
+        <p:spPr>
+          <a:xfrm>
+            <a:off x="1727200" y="1635760"/>
+            <a:ext cx="1432560" cy="508000"/>
+          </a:xfrm>
+          <a:prstGeom prst="rect">
+            <a:avLst/>
+          </a:prstGeom>
+        </p:spPr>
+        <p:style>
+          <a:lnRef idx="2">
+            <a:schemeClr val="dk1"/>
+          </a:lnRef>
+          <a:fillRef idx="1">
+            <a:schemeClr val="lt1"/>
+          </a:fillRef>
+          <a:effectRef idx="0">
+            <a:schemeClr val="dk1"/>
+          </a:effectRef>
+          <a:fontRef idx="minor">
+            <a:schemeClr val="dk1"/>
+          </a:fontRef>
+        </p:style>
+        <p:txBody>
+          <a:bodyPr rtlCol="0" anchor="ctr"/>
+          <a:lstStyle/>
+          <a:p>
+            <a:pPr algn="ctr"/>
+            <a:r>
+              <a:rPr lang="en-US" altLang="zh-TW" dirty="0"/>
+              <a:t>Controller</a:t>
+            </a:r>
+            <a:endParaRPr lang="zh-TW" altLang="en-US" dirty="0"/>
+          </a:p>
+        </p:txBody>
+      </p:sp>
+      <p:sp>
+        <p:nvSpPr>
+          <p:cNvPr id="7" name="矩形 6">
+            <a:extLst>
+              <a:ext uri="{FF2B5EF4-FFF2-40B4-BE49-F238E27FC236}">
+                <a16:creationId xmlns:a16="http://schemas.microsoft.com/office/drawing/2014/main" id="{050A9367-C46D-4BD7-AD3F-E0D18CA681D7}"/>
+              </a:ext>
+            </a:extLst>
+          </p:cNvPr>
+          <p:cNvSpPr/>
+          <p:nvPr/>
+        </p:nvSpPr>
+        <p:spPr>
+          <a:xfrm>
+            <a:off x="1727200" y="2525038"/>
+            <a:ext cx="1432560" cy="508000"/>
+          </a:xfrm>
+          <a:prstGeom prst="rect">
+            <a:avLst/>
+          </a:prstGeom>
+        </p:spPr>
+        <p:style>
+          <a:lnRef idx="2">
+            <a:schemeClr val="dk1"/>
+          </a:lnRef>
+          <a:fillRef idx="1">
+            <a:schemeClr val="lt1"/>
+          </a:fillRef>
+          <a:effectRef idx="0">
+            <a:schemeClr val="dk1"/>
+          </a:effectRef>
+          <a:fontRef idx="minor">
+            <a:schemeClr val="dk1"/>
+          </a:fontRef>
+        </p:style>
+        <p:txBody>
+          <a:bodyPr rtlCol="0" anchor="ctr"/>
+          <a:lstStyle/>
+          <a:p>
+            <a:pPr algn="ctr"/>
+            <a:r>
+              <a:rPr lang="en-US" altLang="zh-TW" dirty="0"/>
+              <a:t>Service</a:t>
+            </a:r>
+            <a:endParaRPr lang="zh-TW" altLang="en-US" dirty="0"/>
+          </a:p>
+        </p:txBody>
+      </p:sp>
     </p:spTree>
     <p:extLst>
       <p:ext uri="{BB962C8B-B14F-4D97-AF65-F5344CB8AC3E}">

--- a/PreQual 2.0 - 21'03.pptx
+++ b/PreQual 2.0 - 21'03.pptx
@@ -7,8 +7,9 @@
   <p:sldIdLst>
     <p:sldId id="256" r:id="rId2"/>
     <p:sldId id="257" r:id="rId3"/>
-    <p:sldId id="259" r:id="rId4"/>
-    <p:sldId id="258" r:id="rId5"/>
+    <p:sldId id="260" r:id="rId4"/>
+    <p:sldId id="259" r:id="rId5"/>
+    <p:sldId id="258" r:id="rId6"/>
   </p:sldIdLst>
   <p:sldSz cx="12192000" cy="6858000"/>
   <p:notesSz cx="6858000" cy="9144000"/>
@@ -262,7 +263,7 @@
           <a:p>
             <a:fld id="{6E02C3BE-8A0E-4AF7-A0BE-041EE7A2F663}" type="datetimeFigureOut">
               <a:rPr lang="zh-TW" altLang="en-US" smtClean="0"/>
-              <a:t>2021/3/28</a:t>
+              <a:t>2021/4/7</a:t>
             </a:fld>
             <a:endParaRPr lang="zh-TW" altLang="en-US"/>
           </a:p>
@@ -460,7 +461,7 @@
           <a:p>
             <a:fld id="{6E02C3BE-8A0E-4AF7-A0BE-041EE7A2F663}" type="datetimeFigureOut">
               <a:rPr lang="zh-TW" altLang="en-US" smtClean="0"/>
-              <a:t>2021/3/28</a:t>
+              <a:t>2021/4/7</a:t>
             </a:fld>
             <a:endParaRPr lang="zh-TW" altLang="en-US"/>
           </a:p>
@@ -668,7 +669,7 @@
           <a:p>
             <a:fld id="{6E02C3BE-8A0E-4AF7-A0BE-041EE7A2F663}" type="datetimeFigureOut">
               <a:rPr lang="zh-TW" altLang="en-US" smtClean="0"/>
-              <a:t>2021/3/28</a:t>
+              <a:t>2021/4/7</a:t>
             </a:fld>
             <a:endParaRPr lang="zh-TW" altLang="en-US"/>
           </a:p>
@@ -866,7 +867,7 @@
           <a:p>
             <a:fld id="{6E02C3BE-8A0E-4AF7-A0BE-041EE7A2F663}" type="datetimeFigureOut">
               <a:rPr lang="zh-TW" altLang="en-US" smtClean="0"/>
-              <a:t>2021/3/28</a:t>
+              <a:t>2021/4/7</a:t>
             </a:fld>
             <a:endParaRPr lang="zh-TW" altLang="en-US"/>
           </a:p>
@@ -1141,7 +1142,7 @@
           <a:p>
             <a:fld id="{6E02C3BE-8A0E-4AF7-A0BE-041EE7A2F663}" type="datetimeFigureOut">
               <a:rPr lang="zh-TW" altLang="en-US" smtClean="0"/>
-              <a:t>2021/3/28</a:t>
+              <a:t>2021/4/7</a:t>
             </a:fld>
             <a:endParaRPr lang="zh-TW" altLang="en-US"/>
           </a:p>
@@ -1406,7 +1407,7 @@
           <a:p>
             <a:fld id="{6E02C3BE-8A0E-4AF7-A0BE-041EE7A2F663}" type="datetimeFigureOut">
               <a:rPr lang="zh-TW" altLang="en-US" smtClean="0"/>
-              <a:t>2021/3/28</a:t>
+              <a:t>2021/4/7</a:t>
             </a:fld>
             <a:endParaRPr lang="zh-TW" altLang="en-US"/>
           </a:p>
@@ -1818,7 +1819,7 @@
           <a:p>
             <a:fld id="{6E02C3BE-8A0E-4AF7-A0BE-041EE7A2F663}" type="datetimeFigureOut">
               <a:rPr lang="zh-TW" altLang="en-US" smtClean="0"/>
-              <a:t>2021/3/28</a:t>
+              <a:t>2021/4/7</a:t>
             </a:fld>
             <a:endParaRPr lang="zh-TW" altLang="en-US"/>
           </a:p>
@@ -1959,7 +1960,7 @@
           <a:p>
             <a:fld id="{6E02C3BE-8A0E-4AF7-A0BE-041EE7A2F663}" type="datetimeFigureOut">
               <a:rPr lang="zh-TW" altLang="en-US" smtClean="0"/>
-              <a:t>2021/3/28</a:t>
+              <a:t>2021/4/7</a:t>
             </a:fld>
             <a:endParaRPr lang="zh-TW" altLang="en-US"/>
           </a:p>
@@ -2072,7 +2073,7 @@
           <a:p>
             <a:fld id="{6E02C3BE-8A0E-4AF7-A0BE-041EE7A2F663}" type="datetimeFigureOut">
               <a:rPr lang="zh-TW" altLang="en-US" smtClean="0"/>
-              <a:t>2021/3/28</a:t>
+              <a:t>2021/4/7</a:t>
             </a:fld>
             <a:endParaRPr lang="zh-TW" altLang="en-US"/>
           </a:p>
@@ -2383,7 +2384,7 @@
           <a:p>
             <a:fld id="{6E02C3BE-8A0E-4AF7-A0BE-041EE7A2F663}" type="datetimeFigureOut">
               <a:rPr lang="zh-TW" altLang="en-US" smtClean="0"/>
-              <a:t>2021/3/28</a:t>
+              <a:t>2021/4/7</a:t>
             </a:fld>
             <a:endParaRPr lang="zh-TW" altLang="en-US"/>
           </a:p>
@@ -2671,7 +2672,7 @@
           <a:p>
             <a:fld id="{6E02C3BE-8A0E-4AF7-A0BE-041EE7A2F663}" type="datetimeFigureOut">
               <a:rPr lang="zh-TW" altLang="en-US" smtClean="0"/>
-              <a:t>2021/3/28</a:t>
+              <a:t>2021/4/7</a:t>
             </a:fld>
             <a:endParaRPr lang="zh-TW" altLang="en-US"/>
           </a:p>
@@ -2914,7 +2915,7 @@
             <a:fld id="{6E02C3BE-8A0E-4AF7-A0BE-041EE7A2F663}" type="datetimeFigureOut">
               <a:rPr lang="zh-TW" altLang="en-US" smtClean="0"/>
               <a:pPr/>
-              <a:t>2021/3/28</a:t>
+              <a:t>2021/4/7</a:t>
             </a:fld>
             <a:endParaRPr lang="zh-TW" altLang="en-US"/>
           </a:p>
@@ -3414,189 +3415,105 @@
           <a:chExt cx="0" cy="0"/>
         </a:xfrm>
       </p:grpSpPr>
-      <p:sp>
-        <p:nvSpPr>
-          <p:cNvPr id="2" name="標題 1">
-            <a:extLst>
-              <a:ext uri="{FF2B5EF4-FFF2-40B4-BE49-F238E27FC236}">
-                <a16:creationId xmlns:a16="http://schemas.microsoft.com/office/drawing/2014/main" id="{EA657B2E-2CB6-41B0-B833-E687BE10EAF7}"/>
-              </a:ext>
-            </a:extLst>
-          </p:cNvPr>
-          <p:cNvSpPr>
-            <a:spLocks noGrp="1"/>
-          </p:cNvSpPr>
-          <p:nvPr>
-            <p:ph type="title"/>
-          </p:nvPr>
-        </p:nvSpPr>
-        <p:spPr/>
-        <p:txBody>
-          <a:bodyPr/>
-          <a:lstStyle/>
-          <a:p>
-            <a:endParaRPr lang="zh-TW" altLang="en-US"/>
-          </a:p>
-        </p:txBody>
-      </p:sp>
-      <p:sp>
-        <p:nvSpPr>
-          <p:cNvPr id="3" name="內容版面配置區 2">
-            <a:extLst>
-              <a:ext uri="{FF2B5EF4-FFF2-40B4-BE49-F238E27FC236}">
-                <a16:creationId xmlns:a16="http://schemas.microsoft.com/office/drawing/2014/main" id="{595FAF60-A01E-4AAD-8AEF-E24B38A0ABD1}"/>
-              </a:ext>
-            </a:extLst>
-          </p:cNvPr>
-          <p:cNvSpPr>
-            <a:spLocks noGrp="1"/>
-          </p:cNvSpPr>
-          <p:nvPr>
-            <p:ph idx="1"/>
-          </p:nvPr>
-        </p:nvSpPr>
-        <p:spPr>
-          <a:xfrm>
-            <a:off x="546846" y="941295"/>
-            <a:ext cx="11017625" cy="670690"/>
-          </a:xfrm>
-        </p:spPr>
-        <p:txBody>
-          <a:bodyPr/>
-          <a:lstStyle/>
-          <a:p>
-            <a:endParaRPr lang="zh-TW" altLang="en-US"/>
-          </a:p>
-        </p:txBody>
-      </p:sp>
-      <p:sp>
-        <p:nvSpPr>
-          <p:cNvPr id="4" name="文字方塊 3">
-            <a:extLst>
-              <a:ext uri="{FF2B5EF4-FFF2-40B4-BE49-F238E27FC236}">
-                <a16:creationId xmlns:a16="http://schemas.microsoft.com/office/drawing/2014/main" id="{253DD7D7-3B6D-423D-AE73-1351B9664181}"/>
-              </a:ext>
-            </a:extLst>
-          </p:cNvPr>
-          <p:cNvSpPr txBox="1"/>
+      <p:pic>
+        <p:nvPicPr>
+          <p:cNvPr id="8" name="圖片 7">
+            <a:extLst>
+              <a:ext uri="{FF2B5EF4-FFF2-40B4-BE49-F238E27FC236}">
+                <a16:creationId xmlns:a16="http://schemas.microsoft.com/office/drawing/2014/main" id="{970CACE7-50CE-4BA6-854A-86CA7CC62B1F}"/>
+              </a:ext>
+            </a:extLst>
+          </p:cNvPr>
+          <p:cNvPicPr>
+            <a:picLocks noChangeAspect="1"/>
+          </p:cNvPicPr>
           <p:nvPr/>
-        </p:nvSpPr>
-        <p:spPr>
-          <a:xfrm>
-            <a:off x="822960" y="2143760"/>
-            <a:ext cx="184731" cy="369332"/>
+        </p:nvPicPr>
+        <p:blipFill>
+          <a:blip r:embed="rId2"/>
+          <a:stretch>
+            <a:fillRect/>
+          </a:stretch>
+        </p:blipFill>
+        <p:spPr>
+          <a:xfrm>
+            <a:off x="124460" y="119380"/>
+            <a:ext cx="5633079" cy="3903980"/>
           </a:xfrm>
           <a:prstGeom prst="rect">
             <a:avLst/>
           </a:prstGeom>
-          <a:noFill/>
-        </p:spPr>
-        <p:txBody>
-          <a:bodyPr wrap="none" rtlCol="0">
-            <a:spAutoFit/>
-          </a:bodyPr>
-          <a:lstStyle/>
-          <a:p>
-            <a:endParaRPr lang="zh-TW" altLang="en-US"/>
-          </a:p>
-        </p:txBody>
-      </p:sp>
-      <p:sp>
-        <p:nvSpPr>
-          <p:cNvPr id="6" name="矩形 5">
-            <a:extLst>
-              <a:ext uri="{FF2B5EF4-FFF2-40B4-BE49-F238E27FC236}">
-                <a16:creationId xmlns:a16="http://schemas.microsoft.com/office/drawing/2014/main" id="{9A4CF1F9-AB26-48C5-B068-4FE7F97BF6B1}"/>
-              </a:ext>
-            </a:extLst>
-          </p:cNvPr>
-          <p:cNvSpPr/>
+          <a:solidFill>
+            <a:schemeClr val="bg1"/>
+          </a:solidFill>
+        </p:spPr>
+      </p:pic>
+      <p:pic>
+        <p:nvPicPr>
+          <p:cNvPr id="10" name="圖片 9">
+            <a:extLst>
+              <a:ext uri="{FF2B5EF4-FFF2-40B4-BE49-F238E27FC236}">
+                <a16:creationId xmlns:a16="http://schemas.microsoft.com/office/drawing/2014/main" id="{5B551EF9-C3BA-4061-A67C-8EF17205EC13}"/>
+              </a:ext>
+            </a:extLst>
+          </p:cNvPr>
+          <p:cNvPicPr>
+            <a:picLocks noChangeAspect="1"/>
+          </p:cNvPicPr>
           <p:nvPr/>
-        </p:nvSpPr>
-        <p:spPr>
-          <a:xfrm>
-            <a:off x="1727200" y="1635760"/>
-            <a:ext cx="1432560" cy="508000"/>
+        </p:nvPicPr>
+        <p:blipFill>
+          <a:blip r:embed="rId3"/>
+          <a:stretch>
+            <a:fillRect/>
+          </a:stretch>
+        </p:blipFill>
+        <p:spPr>
+          <a:xfrm>
+            <a:off x="1021740" y="314087"/>
+            <a:ext cx="5081879" cy="4967998"/>
           </a:xfrm>
           <a:prstGeom prst="rect">
             <a:avLst/>
           </a:prstGeom>
-        </p:spPr>
-        <p:style>
-          <a:lnRef idx="2">
-            <a:schemeClr val="dk1"/>
-          </a:lnRef>
-          <a:fillRef idx="1">
-            <a:schemeClr val="lt1"/>
-          </a:fillRef>
-          <a:effectRef idx="0">
-            <a:schemeClr val="dk1"/>
-          </a:effectRef>
-          <a:fontRef idx="minor">
-            <a:schemeClr val="dk1"/>
-          </a:fontRef>
-        </p:style>
-        <p:txBody>
-          <a:bodyPr rtlCol="0" anchor="ctr"/>
-          <a:lstStyle/>
-          <a:p>
-            <a:pPr algn="ctr"/>
-            <a:r>
-              <a:rPr lang="en-US" altLang="zh-TW" dirty="0"/>
-              <a:t>Controller</a:t>
-            </a:r>
-            <a:endParaRPr lang="zh-TW" altLang="en-US" dirty="0"/>
-          </a:p>
-        </p:txBody>
-      </p:sp>
-      <p:sp>
-        <p:nvSpPr>
-          <p:cNvPr id="7" name="矩形 6">
-            <a:extLst>
-              <a:ext uri="{FF2B5EF4-FFF2-40B4-BE49-F238E27FC236}">
-                <a16:creationId xmlns:a16="http://schemas.microsoft.com/office/drawing/2014/main" id="{050A9367-C46D-4BD7-AD3F-E0D18CA681D7}"/>
-              </a:ext>
-            </a:extLst>
-          </p:cNvPr>
-          <p:cNvSpPr/>
+          <a:solidFill>
+            <a:schemeClr val="bg1"/>
+          </a:solidFill>
+        </p:spPr>
+      </p:pic>
+      <p:pic>
+        <p:nvPicPr>
+          <p:cNvPr id="12" name="圖片 11">
+            <a:extLst>
+              <a:ext uri="{FF2B5EF4-FFF2-40B4-BE49-F238E27FC236}">
+                <a16:creationId xmlns:a16="http://schemas.microsoft.com/office/drawing/2014/main" id="{003022E4-A2AA-4D61-AF27-35D13F37763B}"/>
+              </a:ext>
+            </a:extLst>
+          </p:cNvPr>
+          <p:cNvPicPr>
+            <a:picLocks noChangeAspect="1"/>
+          </p:cNvPicPr>
           <p:nvPr/>
-        </p:nvSpPr>
-        <p:spPr>
-          <a:xfrm>
-            <a:off x="1727200" y="2525038"/>
-            <a:ext cx="1432560" cy="508000"/>
+        </p:nvPicPr>
+        <p:blipFill>
+          <a:blip r:embed="rId4"/>
+          <a:stretch>
+            <a:fillRect/>
+          </a:stretch>
+        </p:blipFill>
+        <p:spPr>
+          <a:xfrm>
+            <a:off x="6309360" y="119380"/>
+            <a:ext cx="5157970" cy="6781195"/>
           </a:xfrm>
           <a:prstGeom prst="rect">
             <a:avLst/>
           </a:prstGeom>
-        </p:spPr>
-        <p:style>
-          <a:lnRef idx="2">
-            <a:schemeClr val="dk1"/>
-          </a:lnRef>
-          <a:fillRef idx="1">
-            <a:schemeClr val="lt1"/>
-          </a:fillRef>
-          <a:effectRef idx="0">
-            <a:schemeClr val="dk1"/>
-          </a:effectRef>
-          <a:fontRef idx="minor">
-            <a:schemeClr val="dk1"/>
-          </a:fontRef>
-        </p:style>
-        <p:txBody>
-          <a:bodyPr rtlCol="0" anchor="ctr"/>
-          <a:lstStyle/>
-          <a:p>
-            <a:pPr algn="ctr"/>
-            <a:r>
-              <a:rPr lang="en-US" altLang="zh-TW" dirty="0"/>
-              <a:t>Service</a:t>
-            </a:r>
-            <a:endParaRPr lang="zh-TW" altLang="en-US" dirty="0"/>
-          </a:p>
-        </p:txBody>
-      </p:sp>
+          <a:solidFill>
+            <a:schemeClr val="bg1"/>
+          </a:solidFill>
+        </p:spPr>
+      </p:pic>
     </p:spTree>
     <p:extLst>
       <p:ext uri="{BB962C8B-B14F-4D97-AF65-F5344CB8AC3E}">
@@ -3611,6 +3528,187 @@
 </file>
 
 <file path=ppt/slides/slide3.xml><?xml version="1.0" encoding="utf-8"?>
+<p:sld xmlns:a="http://schemas.openxmlformats.org/drawingml/2006/main" xmlns:r="http://schemas.openxmlformats.org/officeDocument/2006/relationships" xmlns:p="http://schemas.openxmlformats.org/presentationml/2006/main">
+  <p:cSld>
+    <p:spTree>
+      <p:nvGrpSpPr>
+        <p:cNvPr id="1" name=""/>
+        <p:cNvGrpSpPr/>
+        <p:nvPr/>
+      </p:nvGrpSpPr>
+      <p:grpSpPr>
+        <a:xfrm>
+          <a:off x="0" y="0"/>
+          <a:ext cx="0" cy="0"/>
+          <a:chOff x="0" y="0"/>
+          <a:chExt cx="0" cy="0"/>
+        </a:xfrm>
+      </p:grpSpPr>
+      <p:sp>
+        <p:nvSpPr>
+          <p:cNvPr id="2" name="標題 1">
+            <a:extLst>
+              <a:ext uri="{FF2B5EF4-FFF2-40B4-BE49-F238E27FC236}">
+                <a16:creationId xmlns:a16="http://schemas.microsoft.com/office/drawing/2014/main" id="{EA657B2E-2CB6-41B0-B833-E687BE10EAF7}"/>
+              </a:ext>
+            </a:extLst>
+          </p:cNvPr>
+          <p:cNvSpPr>
+            <a:spLocks noGrp="1"/>
+          </p:cNvSpPr>
+          <p:nvPr>
+            <p:ph type="title"/>
+          </p:nvPr>
+        </p:nvSpPr>
+        <p:spPr/>
+        <p:txBody>
+          <a:bodyPr/>
+          <a:lstStyle/>
+          <a:p>
+            <a:endParaRPr lang="zh-TW" altLang="en-US"/>
+          </a:p>
+        </p:txBody>
+      </p:sp>
+      <p:sp>
+        <p:nvSpPr>
+          <p:cNvPr id="3" name="內容版面配置區 2">
+            <a:extLst>
+              <a:ext uri="{FF2B5EF4-FFF2-40B4-BE49-F238E27FC236}">
+                <a16:creationId xmlns:a16="http://schemas.microsoft.com/office/drawing/2014/main" id="{595FAF60-A01E-4AAD-8AEF-E24B38A0ABD1}"/>
+              </a:ext>
+            </a:extLst>
+          </p:cNvPr>
+          <p:cNvSpPr>
+            <a:spLocks noGrp="1"/>
+          </p:cNvSpPr>
+          <p:nvPr>
+            <p:ph idx="1"/>
+          </p:nvPr>
+        </p:nvSpPr>
+        <p:spPr>
+          <a:xfrm>
+            <a:off x="546846" y="941295"/>
+            <a:ext cx="11017625" cy="670690"/>
+          </a:xfrm>
+        </p:spPr>
+        <p:txBody>
+          <a:bodyPr/>
+          <a:lstStyle/>
+          <a:p>
+            <a:endParaRPr lang="zh-TW" altLang="en-US"/>
+          </a:p>
+        </p:txBody>
+      </p:sp>
+      <p:sp>
+        <p:nvSpPr>
+          <p:cNvPr id="6" name="矩形 5">
+            <a:extLst>
+              <a:ext uri="{FF2B5EF4-FFF2-40B4-BE49-F238E27FC236}">
+                <a16:creationId xmlns:a16="http://schemas.microsoft.com/office/drawing/2014/main" id="{9A4CF1F9-AB26-48C5-B068-4FE7F97BF6B1}"/>
+              </a:ext>
+            </a:extLst>
+          </p:cNvPr>
+          <p:cNvSpPr/>
+          <p:nvPr/>
+        </p:nvSpPr>
+        <p:spPr>
+          <a:xfrm>
+            <a:off x="1727200" y="1635760"/>
+            <a:ext cx="1432560" cy="508000"/>
+          </a:xfrm>
+          <a:prstGeom prst="rect">
+            <a:avLst/>
+          </a:prstGeom>
+        </p:spPr>
+        <p:style>
+          <a:lnRef idx="2">
+            <a:schemeClr val="dk1"/>
+          </a:lnRef>
+          <a:fillRef idx="1">
+            <a:schemeClr val="lt1"/>
+          </a:fillRef>
+          <a:effectRef idx="0">
+            <a:schemeClr val="dk1"/>
+          </a:effectRef>
+          <a:fontRef idx="minor">
+            <a:schemeClr val="dk1"/>
+          </a:fontRef>
+        </p:style>
+        <p:txBody>
+          <a:bodyPr rtlCol="0" anchor="ctr"/>
+          <a:lstStyle/>
+          <a:p>
+            <a:pPr algn="ctr"/>
+            <a:r>
+              <a:rPr lang="en-US" altLang="zh-TW" dirty="0"/>
+              <a:t>Controller</a:t>
+            </a:r>
+            <a:endParaRPr lang="zh-TW" altLang="en-US" dirty="0"/>
+          </a:p>
+        </p:txBody>
+      </p:sp>
+      <p:sp>
+        <p:nvSpPr>
+          <p:cNvPr id="7" name="矩形 6">
+            <a:extLst>
+              <a:ext uri="{FF2B5EF4-FFF2-40B4-BE49-F238E27FC236}">
+                <a16:creationId xmlns:a16="http://schemas.microsoft.com/office/drawing/2014/main" id="{050A9367-C46D-4BD7-AD3F-E0D18CA681D7}"/>
+              </a:ext>
+            </a:extLst>
+          </p:cNvPr>
+          <p:cNvSpPr/>
+          <p:nvPr/>
+        </p:nvSpPr>
+        <p:spPr>
+          <a:xfrm>
+            <a:off x="1727200" y="2525038"/>
+            <a:ext cx="1432560" cy="508000"/>
+          </a:xfrm>
+          <a:prstGeom prst="rect">
+            <a:avLst/>
+          </a:prstGeom>
+        </p:spPr>
+        <p:style>
+          <a:lnRef idx="2">
+            <a:schemeClr val="dk1"/>
+          </a:lnRef>
+          <a:fillRef idx="1">
+            <a:schemeClr val="lt1"/>
+          </a:fillRef>
+          <a:effectRef idx="0">
+            <a:schemeClr val="dk1"/>
+          </a:effectRef>
+          <a:fontRef idx="minor">
+            <a:schemeClr val="dk1"/>
+          </a:fontRef>
+        </p:style>
+        <p:txBody>
+          <a:bodyPr rtlCol="0" anchor="ctr"/>
+          <a:lstStyle/>
+          <a:p>
+            <a:pPr algn="ctr"/>
+            <a:r>
+              <a:rPr lang="en-US" altLang="zh-TW" dirty="0"/>
+              <a:t>Service</a:t>
+            </a:r>
+            <a:endParaRPr lang="zh-TW" altLang="en-US" dirty="0"/>
+          </a:p>
+        </p:txBody>
+      </p:sp>
+    </p:spTree>
+    <p:extLst>
+      <p:ext uri="{BB962C8B-B14F-4D97-AF65-F5344CB8AC3E}">
+        <p14:creationId xmlns:p14="http://schemas.microsoft.com/office/powerpoint/2010/main" val="975398338"/>
+      </p:ext>
+    </p:extLst>
+  </p:cSld>
+  <p:clrMapOvr>
+    <a:masterClrMapping/>
+  </p:clrMapOvr>
+</p:sld>
+</file>
+
+<file path=ppt/slides/slide4.xml><?xml version="1.0" encoding="utf-8"?>
 <p:sld xmlns:a="http://schemas.openxmlformats.org/drawingml/2006/main" xmlns:r="http://schemas.openxmlformats.org/officeDocument/2006/relationships" xmlns:p="http://schemas.openxmlformats.org/presentationml/2006/main">
   <p:cSld>
     <p:spTree>
@@ -4796,7 +4894,7 @@
 </p:sld>
 </file>
 
-<file path=ppt/slides/slide4.xml><?xml version="1.0" encoding="utf-8"?>
+<file path=ppt/slides/slide5.xml><?xml version="1.0" encoding="utf-8"?>
 <p:sld xmlns:a="http://schemas.openxmlformats.org/drawingml/2006/main" xmlns:r="http://schemas.openxmlformats.org/officeDocument/2006/relationships" xmlns:p="http://schemas.openxmlformats.org/presentationml/2006/main">
   <p:cSld>
     <p:spTree>

--- a/PreQual 2.0 - 21'03.pptx
+++ b/PreQual 2.0 - 21'03.pptx
@@ -7,9 +7,10 @@
   <p:sldIdLst>
     <p:sldId id="256" r:id="rId2"/>
     <p:sldId id="257" r:id="rId3"/>
-    <p:sldId id="260" r:id="rId4"/>
-    <p:sldId id="259" r:id="rId5"/>
-    <p:sldId id="258" r:id="rId6"/>
+    <p:sldId id="261" r:id="rId4"/>
+    <p:sldId id="260" r:id="rId5"/>
+    <p:sldId id="259" r:id="rId6"/>
+    <p:sldId id="258" r:id="rId7"/>
   </p:sldIdLst>
   <p:sldSz cx="12192000" cy="6858000"/>
   <p:notesSz cx="6858000" cy="9144000"/>
@@ -263,7 +264,7 @@
           <a:p>
             <a:fld id="{6E02C3BE-8A0E-4AF7-A0BE-041EE7A2F663}" type="datetimeFigureOut">
               <a:rPr lang="zh-TW" altLang="en-US" smtClean="0"/>
-              <a:t>2021/4/7</a:t>
+              <a:t>2021/4/26</a:t>
             </a:fld>
             <a:endParaRPr lang="zh-TW" altLang="en-US"/>
           </a:p>
@@ -461,7 +462,7 @@
           <a:p>
             <a:fld id="{6E02C3BE-8A0E-4AF7-A0BE-041EE7A2F663}" type="datetimeFigureOut">
               <a:rPr lang="zh-TW" altLang="en-US" smtClean="0"/>
-              <a:t>2021/4/7</a:t>
+              <a:t>2021/4/26</a:t>
             </a:fld>
             <a:endParaRPr lang="zh-TW" altLang="en-US"/>
           </a:p>
@@ -669,7 +670,7 @@
           <a:p>
             <a:fld id="{6E02C3BE-8A0E-4AF7-A0BE-041EE7A2F663}" type="datetimeFigureOut">
               <a:rPr lang="zh-TW" altLang="en-US" smtClean="0"/>
-              <a:t>2021/4/7</a:t>
+              <a:t>2021/4/26</a:t>
             </a:fld>
             <a:endParaRPr lang="zh-TW" altLang="en-US"/>
           </a:p>
@@ -867,7 +868,7 @@
           <a:p>
             <a:fld id="{6E02C3BE-8A0E-4AF7-A0BE-041EE7A2F663}" type="datetimeFigureOut">
               <a:rPr lang="zh-TW" altLang="en-US" smtClean="0"/>
-              <a:t>2021/4/7</a:t>
+              <a:t>2021/4/26</a:t>
             </a:fld>
             <a:endParaRPr lang="zh-TW" altLang="en-US"/>
           </a:p>
@@ -1142,7 +1143,7 @@
           <a:p>
             <a:fld id="{6E02C3BE-8A0E-4AF7-A0BE-041EE7A2F663}" type="datetimeFigureOut">
               <a:rPr lang="zh-TW" altLang="en-US" smtClean="0"/>
-              <a:t>2021/4/7</a:t>
+              <a:t>2021/4/26</a:t>
             </a:fld>
             <a:endParaRPr lang="zh-TW" altLang="en-US"/>
           </a:p>
@@ -1407,7 +1408,7 @@
           <a:p>
             <a:fld id="{6E02C3BE-8A0E-4AF7-A0BE-041EE7A2F663}" type="datetimeFigureOut">
               <a:rPr lang="zh-TW" altLang="en-US" smtClean="0"/>
-              <a:t>2021/4/7</a:t>
+              <a:t>2021/4/26</a:t>
             </a:fld>
             <a:endParaRPr lang="zh-TW" altLang="en-US"/>
           </a:p>
@@ -1819,7 +1820,7 @@
           <a:p>
             <a:fld id="{6E02C3BE-8A0E-4AF7-A0BE-041EE7A2F663}" type="datetimeFigureOut">
               <a:rPr lang="zh-TW" altLang="en-US" smtClean="0"/>
-              <a:t>2021/4/7</a:t>
+              <a:t>2021/4/26</a:t>
             </a:fld>
             <a:endParaRPr lang="zh-TW" altLang="en-US"/>
           </a:p>
@@ -1960,7 +1961,7 @@
           <a:p>
             <a:fld id="{6E02C3BE-8A0E-4AF7-A0BE-041EE7A2F663}" type="datetimeFigureOut">
               <a:rPr lang="zh-TW" altLang="en-US" smtClean="0"/>
-              <a:t>2021/4/7</a:t>
+              <a:t>2021/4/26</a:t>
             </a:fld>
             <a:endParaRPr lang="zh-TW" altLang="en-US"/>
           </a:p>
@@ -2073,7 +2074,7 @@
           <a:p>
             <a:fld id="{6E02C3BE-8A0E-4AF7-A0BE-041EE7A2F663}" type="datetimeFigureOut">
               <a:rPr lang="zh-TW" altLang="en-US" smtClean="0"/>
-              <a:t>2021/4/7</a:t>
+              <a:t>2021/4/26</a:t>
             </a:fld>
             <a:endParaRPr lang="zh-TW" altLang="en-US"/>
           </a:p>
@@ -2384,7 +2385,7 @@
           <a:p>
             <a:fld id="{6E02C3BE-8A0E-4AF7-A0BE-041EE7A2F663}" type="datetimeFigureOut">
               <a:rPr lang="zh-TW" altLang="en-US" smtClean="0"/>
-              <a:t>2021/4/7</a:t>
+              <a:t>2021/4/26</a:t>
             </a:fld>
             <a:endParaRPr lang="zh-TW" altLang="en-US"/>
           </a:p>
@@ -2672,7 +2673,7 @@
           <a:p>
             <a:fld id="{6E02C3BE-8A0E-4AF7-A0BE-041EE7A2F663}" type="datetimeFigureOut">
               <a:rPr lang="zh-TW" altLang="en-US" smtClean="0"/>
-              <a:t>2021/4/7</a:t>
+              <a:t>2021/4/26</a:t>
             </a:fld>
             <a:endParaRPr lang="zh-TW" altLang="en-US"/>
           </a:p>
@@ -2915,7 +2916,7 @@
             <a:fld id="{6E02C3BE-8A0E-4AF7-A0BE-041EE7A2F663}" type="datetimeFigureOut">
               <a:rPr lang="zh-TW" altLang="en-US" smtClean="0"/>
               <a:pPr/>
-              <a:t>2021/4/7</a:t>
+              <a:t>2021/4/26</a:t>
             </a:fld>
             <a:endParaRPr lang="zh-TW" altLang="en-US"/>
           </a:p>
@@ -3415,30 +3416,114 @@
           <a:chExt cx="0" cy="0"/>
         </a:xfrm>
       </p:grpSpPr>
-      <p:pic>
-        <p:nvPicPr>
-          <p:cNvPr id="8" name="圖片 7">
-            <a:extLst>
-              <a:ext uri="{FF2B5EF4-FFF2-40B4-BE49-F238E27FC236}">
-                <a16:creationId xmlns:a16="http://schemas.microsoft.com/office/drawing/2014/main" id="{970CACE7-50CE-4BA6-854A-86CA7CC62B1F}"/>
-              </a:ext>
-            </a:extLst>
-          </p:cNvPr>
-          <p:cNvPicPr>
-            <a:picLocks noChangeAspect="1"/>
-          </p:cNvPicPr>
+      <p:sp>
+        <p:nvSpPr>
+          <p:cNvPr id="2" name="矩形 1">
+            <a:extLst>
+              <a:ext uri="{FF2B5EF4-FFF2-40B4-BE49-F238E27FC236}">
+                <a16:creationId xmlns:a16="http://schemas.microsoft.com/office/drawing/2014/main" id="{9F2CB7D7-29D9-409B-8B62-F545EC9A9C91}"/>
+              </a:ext>
+            </a:extLst>
+          </p:cNvPr>
+          <p:cNvSpPr/>
           <p:nvPr/>
-        </p:nvPicPr>
-        <p:blipFill>
-          <a:blip r:embed="rId2"/>
-          <a:stretch>
-            <a:fillRect/>
-          </a:stretch>
-        </p:blipFill>
-        <p:spPr>
-          <a:xfrm>
-            <a:off x="124460" y="119380"/>
-            <a:ext cx="5633079" cy="3903980"/>
+        </p:nvSpPr>
+        <p:spPr>
+          <a:xfrm>
+            <a:off x="264160" y="345440"/>
+            <a:ext cx="2814320" cy="1788160"/>
+          </a:xfrm>
+          <a:prstGeom prst="rect">
+            <a:avLst/>
+          </a:prstGeom>
+        </p:spPr>
+        <p:style>
+          <a:lnRef idx="2">
+            <a:schemeClr val="accent1">
+              <a:shade val="50000"/>
+            </a:schemeClr>
+          </a:lnRef>
+          <a:fillRef idx="1">
+            <a:schemeClr val="accent1"/>
+          </a:fillRef>
+          <a:effectRef idx="0">
+            <a:schemeClr val="accent1"/>
+          </a:effectRef>
+          <a:fontRef idx="minor">
+            <a:schemeClr val="lt1"/>
+          </a:fontRef>
+        </p:style>
+        <p:txBody>
+          <a:bodyPr rtlCol="0" anchor="ctr"/>
+          <a:lstStyle/>
+          <a:p>
+            <a:pPr algn="ctr"/>
+            <a:endParaRPr lang="zh-TW" altLang="en-US"/>
+          </a:p>
+        </p:txBody>
+      </p:sp>
+      <p:sp>
+        <p:nvSpPr>
+          <p:cNvPr id="6" name="矩形 5">
+            <a:extLst>
+              <a:ext uri="{FF2B5EF4-FFF2-40B4-BE49-F238E27FC236}">
+                <a16:creationId xmlns:a16="http://schemas.microsoft.com/office/drawing/2014/main" id="{3D71AABA-944E-4CDC-A908-0CF5B659B31F}"/>
+              </a:ext>
+            </a:extLst>
+          </p:cNvPr>
+          <p:cNvSpPr/>
+          <p:nvPr/>
+        </p:nvSpPr>
+        <p:spPr>
+          <a:xfrm>
+            <a:off x="894080" y="914400"/>
+            <a:ext cx="2814320" cy="1788160"/>
+          </a:xfrm>
+          <a:prstGeom prst="rect">
+            <a:avLst/>
+          </a:prstGeom>
+        </p:spPr>
+        <p:style>
+          <a:lnRef idx="2">
+            <a:schemeClr val="accent1">
+              <a:shade val="50000"/>
+            </a:schemeClr>
+          </a:lnRef>
+          <a:fillRef idx="1">
+            <a:schemeClr val="accent1"/>
+          </a:fillRef>
+          <a:effectRef idx="0">
+            <a:schemeClr val="accent1"/>
+          </a:effectRef>
+          <a:fontRef idx="minor">
+            <a:schemeClr val="lt1"/>
+          </a:fontRef>
+        </p:style>
+        <p:txBody>
+          <a:bodyPr rtlCol="0" anchor="ctr"/>
+          <a:lstStyle/>
+          <a:p>
+            <a:pPr algn="ctr"/>
+            <a:endParaRPr lang="zh-TW" altLang="en-US"/>
+          </a:p>
+        </p:txBody>
+      </p:sp>
+      <p:sp>
+        <p:nvSpPr>
+          <p:cNvPr id="7" name="矩形 6">
+            <a:extLst>
+              <a:ext uri="{FF2B5EF4-FFF2-40B4-BE49-F238E27FC236}">
+                <a16:creationId xmlns:a16="http://schemas.microsoft.com/office/drawing/2014/main" id="{33298CE0-944F-46E8-996F-55D8373C805A}"/>
+              </a:ext>
+            </a:extLst>
+          </p:cNvPr>
+          <p:cNvSpPr/>
+          <p:nvPr/>
+        </p:nvSpPr>
+        <p:spPr>
+          <a:xfrm>
+            <a:off x="1671320" y="1640840"/>
+            <a:ext cx="7970520" cy="3703320"/>
           </a:xfrm>
           <a:prstGeom prst="rect">
             <a:avLst/>
@@ -3446,74 +3531,37 @@
           <a:solidFill>
             <a:schemeClr val="bg1"/>
           </a:solidFill>
-        </p:spPr>
-      </p:pic>
-      <p:pic>
-        <p:nvPicPr>
-          <p:cNvPr id="10" name="圖片 9">
-            <a:extLst>
-              <a:ext uri="{FF2B5EF4-FFF2-40B4-BE49-F238E27FC236}">
-                <a16:creationId xmlns:a16="http://schemas.microsoft.com/office/drawing/2014/main" id="{5B551EF9-C3BA-4061-A67C-8EF17205EC13}"/>
-              </a:ext>
-            </a:extLst>
-          </p:cNvPr>
-          <p:cNvPicPr>
-            <a:picLocks noChangeAspect="1"/>
-          </p:cNvPicPr>
-          <p:nvPr/>
-        </p:nvPicPr>
-        <p:blipFill>
-          <a:blip r:embed="rId3"/>
-          <a:stretch>
-            <a:fillRect/>
-          </a:stretch>
-        </p:blipFill>
-        <p:spPr>
-          <a:xfrm>
-            <a:off x="1021740" y="314087"/>
-            <a:ext cx="5081879" cy="4967998"/>
-          </a:xfrm>
-          <a:prstGeom prst="rect">
-            <a:avLst/>
-          </a:prstGeom>
-          <a:solidFill>
-            <a:schemeClr val="bg1"/>
-          </a:solidFill>
-        </p:spPr>
-      </p:pic>
-      <p:pic>
-        <p:nvPicPr>
-          <p:cNvPr id="12" name="圖片 11">
-            <a:extLst>
-              <a:ext uri="{FF2B5EF4-FFF2-40B4-BE49-F238E27FC236}">
-                <a16:creationId xmlns:a16="http://schemas.microsoft.com/office/drawing/2014/main" id="{003022E4-A2AA-4D61-AF27-35D13F37763B}"/>
-              </a:ext>
-            </a:extLst>
-          </p:cNvPr>
-          <p:cNvPicPr>
-            <a:picLocks noChangeAspect="1"/>
-          </p:cNvPicPr>
-          <p:nvPr/>
-        </p:nvPicPr>
-        <p:blipFill>
-          <a:blip r:embed="rId4"/>
-          <a:stretch>
-            <a:fillRect/>
-          </a:stretch>
-        </p:blipFill>
-        <p:spPr>
-          <a:xfrm>
-            <a:off x="6309360" y="119380"/>
-            <a:ext cx="5157970" cy="6781195"/>
-          </a:xfrm>
-          <a:prstGeom prst="rect">
-            <a:avLst/>
-          </a:prstGeom>
-          <a:solidFill>
-            <a:schemeClr val="bg1"/>
-          </a:solidFill>
-        </p:spPr>
-      </p:pic>
+          <a:ln>
+            <a:solidFill>
+              <a:schemeClr val="tx1"/>
+            </a:solidFill>
+          </a:ln>
+        </p:spPr>
+        <p:style>
+          <a:lnRef idx="2">
+            <a:schemeClr val="accent1">
+              <a:shade val="50000"/>
+            </a:schemeClr>
+          </a:lnRef>
+          <a:fillRef idx="1">
+            <a:schemeClr val="accent1"/>
+          </a:fillRef>
+          <a:effectRef idx="0">
+            <a:schemeClr val="accent1"/>
+          </a:effectRef>
+          <a:fontRef idx="minor">
+            <a:schemeClr val="lt1"/>
+          </a:fontRef>
+        </p:style>
+        <p:txBody>
+          <a:bodyPr rtlCol="0" anchor="ctr"/>
+          <a:lstStyle/>
+          <a:p>
+            <a:pPr algn="ctr"/>
+            <a:endParaRPr lang="zh-TW" altLang="en-US"/>
+          </a:p>
+        </p:txBody>
+      </p:sp>
     </p:spTree>
     <p:extLst>
       <p:ext uri="{BB962C8B-B14F-4D97-AF65-F5344CB8AC3E}">
@@ -3544,6 +3592,135 @@
           <a:chExt cx="0" cy="0"/>
         </a:xfrm>
       </p:grpSpPr>
+      <p:pic>
+        <p:nvPicPr>
+          <p:cNvPr id="8" name="圖片 7">
+            <a:extLst>
+              <a:ext uri="{FF2B5EF4-FFF2-40B4-BE49-F238E27FC236}">
+                <a16:creationId xmlns:a16="http://schemas.microsoft.com/office/drawing/2014/main" id="{970CACE7-50CE-4BA6-854A-86CA7CC62B1F}"/>
+              </a:ext>
+            </a:extLst>
+          </p:cNvPr>
+          <p:cNvPicPr>
+            <a:picLocks noChangeAspect="1"/>
+          </p:cNvPicPr>
+          <p:nvPr/>
+        </p:nvPicPr>
+        <p:blipFill>
+          <a:blip r:embed="rId2"/>
+          <a:stretch>
+            <a:fillRect/>
+          </a:stretch>
+        </p:blipFill>
+        <p:spPr>
+          <a:xfrm>
+            <a:off x="124460" y="119380"/>
+            <a:ext cx="5633079" cy="3903980"/>
+          </a:xfrm>
+          <a:prstGeom prst="rect">
+            <a:avLst/>
+          </a:prstGeom>
+          <a:solidFill>
+            <a:schemeClr val="bg1"/>
+          </a:solidFill>
+        </p:spPr>
+      </p:pic>
+      <p:pic>
+        <p:nvPicPr>
+          <p:cNvPr id="10" name="圖片 9">
+            <a:extLst>
+              <a:ext uri="{FF2B5EF4-FFF2-40B4-BE49-F238E27FC236}">
+                <a16:creationId xmlns:a16="http://schemas.microsoft.com/office/drawing/2014/main" id="{5B551EF9-C3BA-4061-A67C-8EF17205EC13}"/>
+              </a:ext>
+            </a:extLst>
+          </p:cNvPr>
+          <p:cNvPicPr>
+            <a:picLocks noChangeAspect="1"/>
+          </p:cNvPicPr>
+          <p:nvPr/>
+        </p:nvPicPr>
+        <p:blipFill>
+          <a:blip r:embed="rId3"/>
+          <a:stretch>
+            <a:fillRect/>
+          </a:stretch>
+        </p:blipFill>
+        <p:spPr>
+          <a:xfrm>
+            <a:off x="1021740" y="314087"/>
+            <a:ext cx="5081879" cy="4967998"/>
+          </a:xfrm>
+          <a:prstGeom prst="rect">
+            <a:avLst/>
+          </a:prstGeom>
+          <a:solidFill>
+            <a:schemeClr val="bg1"/>
+          </a:solidFill>
+        </p:spPr>
+      </p:pic>
+      <p:pic>
+        <p:nvPicPr>
+          <p:cNvPr id="12" name="圖片 11">
+            <a:extLst>
+              <a:ext uri="{FF2B5EF4-FFF2-40B4-BE49-F238E27FC236}">
+                <a16:creationId xmlns:a16="http://schemas.microsoft.com/office/drawing/2014/main" id="{003022E4-A2AA-4D61-AF27-35D13F37763B}"/>
+              </a:ext>
+            </a:extLst>
+          </p:cNvPr>
+          <p:cNvPicPr>
+            <a:picLocks noChangeAspect="1"/>
+          </p:cNvPicPr>
+          <p:nvPr/>
+        </p:nvPicPr>
+        <p:blipFill>
+          <a:blip r:embed="rId4"/>
+          <a:stretch>
+            <a:fillRect/>
+          </a:stretch>
+        </p:blipFill>
+        <p:spPr>
+          <a:xfrm>
+            <a:off x="6309360" y="119380"/>
+            <a:ext cx="5157970" cy="6781195"/>
+          </a:xfrm>
+          <a:prstGeom prst="rect">
+            <a:avLst/>
+          </a:prstGeom>
+          <a:solidFill>
+            <a:schemeClr val="bg1"/>
+          </a:solidFill>
+        </p:spPr>
+      </p:pic>
+    </p:spTree>
+    <p:extLst>
+      <p:ext uri="{BB962C8B-B14F-4D97-AF65-F5344CB8AC3E}">
+        <p14:creationId xmlns:p14="http://schemas.microsoft.com/office/powerpoint/2010/main" val="4292109293"/>
+      </p:ext>
+    </p:extLst>
+  </p:cSld>
+  <p:clrMapOvr>
+    <a:masterClrMapping/>
+  </p:clrMapOvr>
+</p:sld>
+</file>
+
+<file path=ppt/slides/slide4.xml><?xml version="1.0" encoding="utf-8"?>
+<p:sld xmlns:a="http://schemas.openxmlformats.org/drawingml/2006/main" xmlns:r="http://schemas.openxmlformats.org/officeDocument/2006/relationships" xmlns:p="http://schemas.openxmlformats.org/presentationml/2006/main">
+  <p:cSld>
+    <p:spTree>
+      <p:nvGrpSpPr>
+        <p:cNvPr id="1" name=""/>
+        <p:cNvGrpSpPr/>
+        <p:nvPr/>
+      </p:nvGrpSpPr>
+      <p:grpSpPr>
+        <a:xfrm>
+          <a:off x="0" y="0"/>
+          <a:ext cx="0" cy="0"/>
+          <a:chOff x="0" y="0"/>
+          <a:chExt cx="0" cy="0"/>
+        </a:xfrm>
+      </p:grpSpPr>
       <p:sp>
         <p:nvSpPr>
           <p:cNvPr id="2" name="標題 1">
@@ -3708,7 +3885,7 @@
 </p:sld>
 </file>
 
-<file path=ppt/slides/slide4.xml><?xml version="1.0" encoding="utf-8"?>
+<file path=ppt/slides/slide5.xml><?xml version="1.0" encoding="utf-8"?>
 <p:sld xmlns:a="http://schemas.openxmlformats.org/drawingml/2006/main" xmlns:r="http://schemas.openxmlformats.org/officeDocument/2006/relationships" xmlns:p="http://schemas.openxmlformats.org/presentationml/2006/main">
   <p:cSld>
     <p:spTree>
@@ -4894,7 +5071,7 @@
 </p:sld>
 </file>
 
-<file path=ppt/slides/slide5.xml><?xml version="1.0" encoding="utf-8"?>
+<file path=ppt/slides/slide6.xml><?xml version="1.0" encoding="utf-8"?>
 <p:sld xmlns:a="http://schemas.openxmlformats.org/drawingml/2006/main" xmlns:r="http://schemas.openxmlformats.org/officeDocument/2006/relationships" xmlns:p="http://schemas.openxmlformats.org/presentationml/2006/main">
   <p:cSld>
     <p:spTree>
